--- a/assets/Presentation/SafeTravels.pptx
+++ b/assets/Presentation/SafeTravels.pptx
@@ -134,7 +134,7 @@
   <pc:docChgLst>
     <pc:chgData name="SarT X" userId="9b36cdbd78d563b5" providerId="LiveId" clId="{524C4980-D166-4200-8C93-339AD1B949F1}"/>
     <pc:docChg chg="modSld">
-      <pc:chgData name="SarT X" userId="9b36cdbd78d563b5" providerId="LiveId" clId="{524C4980-D166-4200-8C93-339AD1B949F1}" dt="2021-10-11T22:45:42.680" v="22" actId="14100"/>
+      <pc:chgData name="SarT X" userId="9b36cdbd78d563b5" providerId="LiveId" clId="{524C4980-D166-4200-8C93-339AD1B949F1}" dt="2021-10-12T01:56:27.582" v="57" actId="20577"/>
       <pc:docMkLst>
         <pc:docMk/>
       </pc:docMkLst>
@@ -165,6 +165,21 @@
             <pc:docMk/>
             <pc:sldMk cId="4064870696" sldId="263"/>
             <ac:spMk id="4" creationId="{5F6EA83E-959E-4923-AE98-1F9A288672C3}"/>
+          </ac:spMkLst>
+        </pc:spChg>
+      </pc:sldChg>
+      <pc:sldChg chg="modSp mod">
+        <pc:chgData name="SarT X" userId="9b36cdbd78d563b5" providerId="LiveId" clId="{524C4980-D166-4200-8C93-339AD1B949F1}" dt="2021-10-12T01:56:27.582" v="57" actId="20577"/>
+        <pc:sldMkLst>
+          <pc:docMk/>
+          <pc:sldMk cId="2068806749" sldId="264"/>
+        </pc:sldMkLst>
+        <pc:spChg chg="mod">
+          <ac:chgData name="SarT X" userId="9b36cdbd78d563b5" providerId="LiveId" clId="{524C4980-D166-4200-8C93-339AD1B949F1}" dt="2021-10-12T01:56:27.582" v="57" actId="20577"/>
+          <ac:spMkLst>
+            <pc:docMk/>
+            <pc:sldMk cId="2068806749" sldId="264"/>
+            <ac:spMk id="3" creationId="{D697B222-D101-40CB-9A2A-DB3DE7F78981}"/>
           </ac:spMkLst>
         </pc:spChg>
       </pc:sldChg>
@@ -4605,7 +4620,49 @@
                 <a:latin typeface="Times New Roman" panose="02020603050405020304" pitchFamily="18" charset="0"/>
                 <a:cs typeface="Times New Roman" panose="02020603050405020304" pitchFamily="18" charset="0"/>
               </a:rPr>
-              <a:t>: Page layout and functionality; marrying code from each member’s contribution</a:t>
+              <a:t>: Page layout and functionality; </a:t>
+            </a:r>
+            <a:r>
+              <a:rPr lang="en-US" sz="2400" dirty="0">
+                <a:solidFill>
+                  <a:srgbClr val="595959"/>
+                </a:solidFill>
+                <a:latin typeface="Times New Roman" panose="02020603050405020304" pitchFamily="18" charset="0"/>
+                <a:cs typeface="Times New Roman" panose="02020603050405020304" pitchFamily="18" charset="0"/>
+              </a:rPr>
+              <a:t>User Story; </a:t>
+            </a:r>
+            <a:r>
+              <a:rPr lang="en-US" sz="2400" dirty="0" err="1">
+                <a:solidFill>
+                  <a:srgbClr val="595959"/>
+                </a:solidFill>
+                <a:latin typeface="Times New Roman" panose="02020603050405020304" pitchFamily="18" charset="0"/>
+                <a:cs typeface="Times New Roman" panose="02020603050405020304" pitchFamily="18" charset="0"/>
+              </a:rPr>
+              <a:t>README;</a:t>
+            </a:r>
+            <a:r>
+              <a:rPr lang="en-US" sz="2400" b="0" i="0" u="none" strike="noStrike" dirty="0" err="1">
+                <a:solidFill>
+                  <a:srgbClr val="595959"/>
+                </a:solidFill>
+                <a:effectLst/>
+                <a:latin typeface="Times New Roman" panose="02020603050405020304" pitchFamily="18" charset="0"/>
+                <a:cs typeface="Times New Roman" panose="02020603050405020304" pitchFamily="18" charset="0"/>
+              </a:rPr>
+              <a:t>marrying</a:t>
+            </a:r>
+            <a:r>
+              <a:rPr lang="en-US" sz="2400" b="0" i="0" u="none" strike="noStrike" dirty="0">
+                <a:solidFill>
+                  <a:srgbClr val="595959"/>
+                </a:solidFill>
+                <a:effectLst/>
+                <a:latin typeface="Times New Roman" panose="02020603050405020304" pitchFamily="18" charset="0"/>
+                <a:cs typeface="Times New Roman" panose="02020603050405020304" pitchFamily="18" charset="0"/>
+              </a:rPr>
+              <a:t> code from each member’s contribution</a:t>
             </a:r>
           </a:p>
           <a:p>
@@ -4749,7 +4806,7 @@
                 <a:latin typeface="Times New Roman" panose="02020603050405020304" pitchFamily="18" charset="0"/>
                 <a:cs typeface="Times New Roman" panose="02020603050405020304" pitchFamily="18" charset="0"/>
               </a:rPr>
-              <a:t>; marrying code from each member’s contribution</a:t>
+              <a:t>; README; marrying code from each member’s contribution</a:t>
             </a:r>
           </a:p>
           <a:p>

--- a/assets/Presentation/SafeTravels.pptx
+++ b/assets/Presentation/SafeTravels.pptx
@@ -124,7 +124,7 @@
 <file path=ppt/revisionInfo.xml><?xml version="1.0" encoding="utf-8"?>
 <p1510:revInfo xmlns:a="http://schemas.openxmlformats.org/drawingml/2006/main" xmlns:r="http://schemas.openxmlformats.org/officeDocument/2006/relationships" xmlns:p1510="http://schemas.microsoft.com/office/powerpoint/2015/10/main">
   <p1510:revLst>
-    <p1510:client id="{524C4980-D166-4200-8C93-339AD1B949F1}" v="2" dt="2021-10-11T22:45:36.685"/>
+    <p1510:client id="{524C4980-D166-4200-8C93-339AD1B949F1}" v="4" dt="2021-10-12T03:04:54.896"/>
   </p1510:revLst>
 </p1510:revInfo>
 </file>
@@ -134,7 +134,7 @@
   <pc:docChgLst>
     <pc:chgData name="SarT X" userId="9b36cdbd78d563b5" providerId="LiveId" clId="{524C4980-D166-4200-8C93-339AD1B949F1}"/>
     <pc:docChg chg="modSld">
-      <pc:chgData name="SarT X" userId="9b36cdbd78d563b5" providerId="LiveId" clId="{524C4980-D166-4200-8C93-339AD1B949F1}" dt="2021-10-12T01:56:27.582" v="57" actId="20577"/>
+      <pc:chgData name="SarT X" userId="9b36cdbd78d563b5" providerId="LiveId" clId="{524C4980-D166-4200-8C93-339AD1B949F1}" dt="2021-10-12T03:04:59.998" v="61" actId="20577"/>
       <pc:docMkLst>
         <pc:docMk/>
       </pc:docMkLst>
@@ -154,13 +154,13 @@
         </pc:spChg>
       </pc:sldChg>
       <pc:sldChg chg="modSp mod">
-        <pc:chgData name="SarT X" userId="9b36cdbd78d563b5" providerId="LiveId" clId="{524C4980-D166-4200-8C93-339AD1B949F1}" dt="2021-10-11T22:45:42.680" v="22" actId="14100"/>
+        <pc:chgData name="SarT X" userId="9b36cdbd78d563b5" providerId="LiveId" clId="{524C4980-D166-4200-8C93-339AD1B949F1}" dt="2021-10-12T03:04:59.998" v="61" actId="20577"/>
         <pc:sldMkLst>
           <pc:docMk/>
           <pc:sldMk cId="4064870696" sldId="263"/>
         </pc:sldMkLst>
         <pc:spChg chg="mod">
-          <ac:chgData name="SarT X" userId="9b36cdbd78d563b5" providerId="LiveId" clId="{524C4980-D166-4200-8C93-339AD1B949F1}" dt="2021-10-11T22:45:42.680" v="22" actId="14100"/>
+          <ac:chgData name="SarT X" userId="9b36cdbd78d563b5" providerId="LiveId" clId="{524C4980-D166-4200-8C93-339AD1B949F1}" dt="2021-10-12T03:04:59.998" v="61" actId="20577"/>
           <ac:spMkLst>
             <pc:docMk/>
             <pc:sldMk cId="4064870696" sldId="263"/>
@@ -5463,7 +5463,7 @@
         <p:spPr>
           <a:xfrm>
             <a:off x="1316775" y="2302277"/>
-            <a:ext cx="8386518" cy="2677656"/>
+            <a:ext cx="8386518" cy="3108543"/>
           </a:xfrm>
           <a:prstGeom prst="rect">
             <a:avLst/>
@@ -5531,6 +5531,15 @@
                 <a:hlinkClick r:id="rId3"/>
               </a:rPr>
               <a:t>https://github.com/SDB14/safe-travels</a:t>
+            </a:r>
+            <a:endParaRPr lang="en-US" dirty="0"/>
+          </a:p>
+          <a:p>
+            <a:r>
+              <a:rPr lang="en-US" dirty="0">
+                <a:hlinkClick r:id="rId4"/>
+              </a:rPr>
+              <a:t>https://github.com/Jakeology/safe-travels/tree/user/sarita</a:t>
             </a:r>
             <a:endParaRPr lang="en-US" dirty="0"/>
           </a:p>
